--- a/Project Food and Drink Menu.pptx
+++ b/Project Food and Drink Menu.pptx
@@ -1349,7 +1349,7 @@
         </p:nvSpPr>
         <p:spPr>
           <a:xfrm>
-            <a:off x="381300" y="685800"/>
+            <a:off x="381000" y="685800"/>
             <a:ext cx="6096000" cy="3429000"/>
           </a:xfrm>
           <a:custGeom>
@@ -7115,25 +7115,30 @@
               <a:buChar char="●"/>
             </a:pPr>
             <a:r>
-              <a:rPr lang="en" dirty="0"/>
-              <a:t>Deployed</a:t>
+              <a:rPr lang="en-US" b="1" i="0">
+                <a:solidFill>
+                  <a:srgbClr val="24292F"/>
+                </a:solidFill>
+                <a:effectLst/>
+                <a:latin typeface="-apple-system"/>
+              </a:rPr>
+              <a:t> </a:t>
             </a:r>
-            <a:endParaRPr dirty="0"/>
-          </a:p>
-          <a:p>
-            <a:pPr marL="457200" lvl="0" indent="-342900" algn="l" rtl="0">
-              <a:spcBef>
-                <a:spcPts val="0"/>
-              </a:spcBef>
-              <a:spcAft>
-                <a:spcPts val="0"/>
-              </a:spcAft>
-              <a:buSzPts val="1800"/>
-              <a:buChar char="●"/>
-            </a:pPr>
+            <a:r>
+              <a:rPr lang="en-US" b="1" i="0" u="none" strike="noStrike">
+                <a:effectLst/>
+                <a:latin typeface="-apple-system"/>
+                <a:hlinkClick r:id="rId3"/>
+              </a:rPr>
+              <a:t>https://clearbusinessinsight.github.io/food-and-drink-menu/</a:t>
+            </a:r>
+            <a:r>
+              <a:rPr lang="en"/>
+              <a:t>GitHub </a:t>
+            </a:r>
             <a:r>
               <a:rPr lang="en" dirty="0"/>
-              <a:t>GitHub repo</a:t>
+              <a:t>repo</a:t>
             </a:r>
             <a:endParaRPr dirty="0"/>
           </a:p>

--- a/Project Food and Drink Menu.pptx
+++ b/Project Food and Drink Menu.pptx
@@ -6339,7 +6339,7 @@
             </a:r>
             <a:r>
               <a:rPr lang="en" sz="1000" dirty="0"/>
-              <a:t>Presented by: </a:t>
+              <a:t>Presented by: Chris</a:t>
             </a:r>
             <a:br>
               <a:rPr lang="en" sz="2400" dirty="0"/>
@@ -6350,6 +6350,16 @@
             <a:r>
               <a:rPr lang="en" sz="2400" dirty="0"/>
               <a:t>We created the Food and Drink Menu so the user can select a food type or a drink type and our menu will display recipes.</a:t>
+            </a:r>
+            <a:br>
+              <a:rPr lang="en" sz="2400" dirty="0"/>
+            </a:br>
+            <a:br>
+              <a:rPr lang="en" sz="2400" dirty="0"/>
+            </a:br>
+            <a:r>
+              <a:rPr lang="en" sz="2400" dirty="0"/>
+              <a:t>We used forward and back buttons to scroll through the records in the Array.</a:t>
             </a:r>
             <a:br>
               <a:rPr lang="en" sz="2400" dirty="0"/>
@@ -6433,7 +6443,7 @@
             </a:r>
             <a:r>
               <a:rPr lang="en" sz="1000" dirty="0"/>
-              <a:t>Presented by: </a:t>
+              <a:t>Presented by: Edna</a:t>
             </a:r>
             <a:endParaRPr sz="1000" dirty="0"/>
           </a:p>
@@ -6476,7 +6486,7 @@
             </a:pPr>
             <a:r>
               <a:rPr lang="en" dirty="0"/>
-              <a:t>We selected the ?????????  API because of the variety of choices and the way the data was organized.</a:t>
+              <a:t>We selected the themealdb API and thecocktaildb API because of the variety of choices and the way the data was organized.</a:t>
             </a:r>
             <a:endParaRPr dirty="0"/>
           </a:p>
@@ -6577,7 +6587,7 @@
             </a:r>
             <a:r>
               <a:rPr lang="en" sz="1000" dirty="0"/>
-              <a:t>Presented by:  </a:t>
+              <a:t>Presented by:  Katherine</a:t>
             </a:r>
             <a:endParaRPr sz="1000" dirty="0"/>
           </a:p>
@@ -6620,7 +6630,7 @@
             </a:pPr>
             <a:r>
               <a:rPr lang="en" dirty="0"/>
-              <a:t>The animation focused around ??????????</a:t>
+              <a:t>The animation focused around advanced CSS.</a:t>
             </a:r>
           </a:p>
           <a:p>
@@ -6636,7 +6646,7 @@
             </a:pPr>
             <a:r>
               <a:rPr lang="en" dirty="0"/>
-              <a:t>We used a simple Fetch call to access the API</a:t>
+              <a:t>We used a simple Fetch call to access the API data.</a:t>
             </a:r>
             <a:endParaRPr dirty="0"/>
           </a:p>
@@ -6764,7 +6774,7 @@
             </a:pPr>
             <a:r>
               <a:rPr lang="en" dirty="0"/>
-              <a:t>We pulled it all togetherin the end.</a:t>
+              <a:t>We pulled it all together in the end.</a:t>
             </a:r>
           </a:p>
         </p:txBody>
@@ -6832,7 +6842,11 @@
               <a:rPr lang="en" dirty="0"/>
               <a:t>Demo presented by: </a:t>
             </a:r>
-            <a:endParaRPr dirty="0"/>
+            <a:r>
+              <a:rPr lang="en" sz="1000" dirty="0"/>
+              <a:t>Roman </a:t>
+            </a:r>
+            <a:endParaRPr sz="1000" dirty="0"/>
           </a:p>
         </p:txBody>
       </p:sp>
@@ -6905,7 +6919,7 @@
             </a:r>
             <a:r>
               <a:rPr lang="en" sz="1000" dirty="0"/>
-              <a:t>Presented by: </a:t>
+              <a:t>Presented by: DAk </a:t>
             </a:r>
             <a:endParaRPr sz="1000" dirty="0"/>
           </a:p>
@@ -7115,7 +7129,7 @@
               <a:buChar char="●"/>
             </a:pPr>
             <a:r>
-              <a:rPr lang="en-US" b="1" i="0">
+              <a:rPr lang="en-US" b="1" i="0" dirty="0">
                 <a:solidFill>
                   <a:srgbClr val="24292F"/>
                 </a:solidFill>
@@ -7125,21 +7139,66 @@
               <a:t> </a:t>
             </a:r>
             <a:r>
-              <a:rPr lang="en-US" b="1" i="0" u="none" strike="noStrike">
+              <a:rPr lang="en-US" b="1" i="0" u="none" strike="noStrike" dirty="0">
                 <a:effectLst/>
                 <a:latin typeface="-apple-system"/>
                 <a:hlinkClick r:id="rId3"/>
               </a:rPr>
               <a:t>https://clearbusinessinsight.github.io/food-and-drink-menu/</a:t>
             </a:r>
+            <a:endParaRPr lang="en-US" b="1" i="0" u="none" strike="noStrike" dirty="0">
+              <a:effectLst/>
+              <a:latin typeface="-apple-system"/>
+            </a:endParaRPr>
+          </a:p>
+          <a:p>
+            <a:pPr marL="114300" lvl="0" indent="0" algn="l" rtl="0">
+              <a:spcBef>
+                <a:spcPts val="0"/>
+              </a:spcBef>
+              <a:spcAft>
+                <a:spcPts val="0"/>
+              </a:spcAft>
+              <a:buSzPts val="1800"/>
+              <a:buNone/>
+            </a:pPr>
+            <a:endParaRPr lang="en-US" b="1" i="0" u="none" strike="noStrike" dirty="0">
+              <a:effectLst/>
+              <a:latin typeface="-apple-system"/>
+            </a:endParaRPr>
+          </a:p>
+          <a:p>
+            <a:pPr marL="457200" lvl="0" indent="-342900" algn="l" rtl="0">
+              <a:spcBef>
+                <a:spcPts val="0"/>
+              </a:spcBef>
+              <a:spcAft>
+                <a:spcPts val="0"/>
+              </a:spcAft>
+              <a:buSzPts val="1800"/>
+              <a:buChar char="●"/>
+            </a:pPr>
             <a:r>
-              <a:rPr lang="en"/>
-              <a:t>GitHub </a:t>
+              <a:rPr lang="en-US" dirty="0">
+                <a:hlinkClick r:id="rId4"/>
+              </a:rPr>
+              <a:t>https://github.com/clearbusinessinsight/food-and-drink-menu/settings/pages</a:t>
             </a:r>
-            <a:r>
-              <a:rPr lang="en" dirty="0"/>
-              <a:t>repo</a:t>
-            </a:r>
+            <a:endParaRPr lang="en-US" b="1" dirty="0">
+              <a:latin typeface="-apple-system"/>
+            </a:endParaRPr>
+          </a:p>
+          <a:p>
+            <a:pPr marL="457200" lvl="0" indent="-342900" algn="l" rtl="0">
+              <a:spcBef>
+                <a:spcPts val="0"/>
+              </a:spcBef>
+              <a:spcAft>
+                <a:spcPts val="0"/>
+              </a:spcAft>
+              <a:buSzPts val="1800"/>
+              <a:buChar char="●"/>
+            </a:pPr>
             <a:endParaRPr dirty="0"/>
           </a:p>
         </p:txBody>

--- a/Project Food and Drink Menu.pptx
+++ b/Project Food and Drink Menu.pptx
@@ -6415,7 +6415,7 @@
         </p:nvSpPr>
         <p:spPr>
           <a:xfrm>
-            <a:off x="311700" y="445025"/>
+            <a:off x="471189" y="608672"/>
             <a:ext cx="8520600" cy="572700"/>
           </a:xfrm>
           <a:prstGeom prst="rect">
@@ -6505,6 +6505,54 @@
               <a:rPr lang="en" dirty="0"/>
               <a:t>We all like to eat and drink and we hope this project will give the user fun choices.</a:t>
             </a:r>
+          </a:p>
+          <a:p>
+            <a:pPr marL="457200" lvl="0" indent="-342900" algn="l" rtl="0">
+              <a:spcBef>
+                <a:spcPts val="0"/>
+              </a:spcBef>
+              <a:spcAft>
+                <a:spcPts val="0"/>
+              </a:spcAft>
+              <a:buSzPts val="1800"/>
+              <a:buChar char="●"/>
+            </a:pPr>
+            <a:r>
+              <a:rPr lang="en" dirty="0"/>
+              <a:t>I want to search foods</a:t>
+            </a:r>
+          </a:p>
+          <a:p>
+            <a:pPr marL="457200" lvl="0" indent="-342900" algn="l" rtl="0">
+              <a:spcBef>
+                <a:spcPts val="0"/>
+              </a:spcBef>
+              <a:spcAft>
+                <a:spcPts val="0"/>
+              </a:spcAft>
+              <a:buSzPts val="1800"/>
+              <a:buChar char="●"/>
+            </a:pPr>
+            <a:r>
+              <a:rPr lang="en-US" dirty="0"/>
+              <a:t>T</a:t>
+            </a:r>
+            <a:r>
+              <a:rPr lang="en" dirty="0"/>
+              <a:t>o get recipies</a:t>
+            </a:r>
+          </a:p>
+          <a:p>
+            <a:pPr marL="457200" lvl="0" indent="-342900" algn="l" rtl="0">
+              <a:spcBef>
+                <a:spcPts val="0"/>
+              </a:spcBef>
+              <a:spcAft>
+                <a:spcPts val="0"/>
+              </a:spcAft>
+              <a:buSzPts val="1800"/>
+              <a:buChar char="●"/>
+            </a:pPr>
             <a:endParaRPr dirty="0"/>
           </a:p>
           <a:p>
